--- a/Roles.pptx
+++ b/Roles.pptx
@@ -104,6 +104,11 @@
       </a:defRPr>
     </a:lvl9pPr>
   </p:defaultTextStyle>
+  <p:extLst>
+    <p:ext uri="{EFAFB233-063F-42B5-8137-9DF3F51BA10A}">
+      <p15:sldGuideLst xmlns:p15="http://schemas.microsoft.com/office/powerpoint/2012/main"/>
+    </p:ext>
+  </p:extLst>
 </p:presentation>
 </file>
 
@@ -254,7 +259,7 @@
           <a:p>
             <a:fld id="{914F42F4-468D-854C-BB21-198E353C2471}" type="datetimeFigureOut">
               <a:rPr lang="en-US" smtClean="0"/>
-              <a:t>12/11/21</a:t>
+              <a:t>12/12/21</a:t>
             </a:fld>
             <a:endParaRPr lang="en-US"/>
           </a:p>
@@ -452,7 +457,7 @@
           <a:p>
             <a:fld id="{914F42F4-468D-854C-BB21-198E353C2471}" type="datetimeFigureOut">
               <a:rPr lang="en-US" smtClean="0"/>
-              <a:t>12/11/21</a:t>
+              <a:t>12/12/21</a:t>
             </a:fld>
             <a:endParaRPr lang="en-US"/>
           </a:p>
@@ -660,7 +665,7 @@
           <a:p>
             <a:fld id="{914F42F4-468D-854C-BB21-198E353C2471}" type="datetimeFigureOut">
               <a:rPr lang="en-US" smtClean="0"/>
-              <a:t>12/11/21</a:t>
+              <a:t>12/12/21</a:t>
             </a:fld>
             <a:endParaRPr lang="en-US"/>
           </a:p>
@@ -858,7 +863,7 @@
           <a:p>
             <a:fld id="{914F42F4-468D-854C-BB21-198E353C2471}" type="datetimeFigureOut">
               <a:rPr lang="en-US" smtClean="0"/>
-              <a:t>12/11/21</a:t>
+              <a:t>12/12/21</a:t>
             </a:fld>
             <a:endParaRPr lang="en-US"/>
           </a:p>
@@ -1133,7 +1138,7 @@
           <a:p>
             <a:fld id="{914F42F4-468D-854C-BB21-198E353C2471}" type="datetimeFigureOut">
               <a:rPr lang="en-US" smtClean="0"/>
-              <a:t>12/11/21</a:t>
+              <a:t>12/12/21</a:t>
             </a:fld>
             <a:endParaRPr lang="en-US"/>
           </a:p>
@@ -1398,7 +1403,7 @@
           <a:p>
             <a:fld id="{914F42F4-468D-854C-BB21-198E353C2471}" type="datetimeFigureOut">
               <a:rPr lang="en-US" smtClean="0"/>
-              <a:t>12/11/21</a:t>
+              <a:t>12/12/21</a:t>
             </a:fld>
             <a:endParaRPr lang="en-US"/>
           </a:p>
@@ -1810,7 +1815,7 @@
           <a:p>
             <a:fld id="{914F42F4-468D-854C-BB21-198E353C2471}" type="datetimeFigureOut">
               <a:rPr lang="en-US" smtClean="0"/>
-              <a:t>12/11/21</a:t>
+              <a:t>12/12/21</a:t>
             </a:fld>
             <a:endParaRPr lang="en-US"/>
           </a:p>
@@ -1951,7 +1956,7 @@
           <a:p>
             <a:fld id="{914F42F4-468D-854C-BB21-198E353C2471}" type="datetimeFigureOut">
               <a:rPr lang="en-US" smtClean="0"/>
-              <a:t>12/11/21</a:t>
+              <a:t>12/12/21</a:t>
             </a:fld>
             <a:endParaRPr lang="en-US"/>
           </a:p>
@@ -2064,7 +2069,7 @@
           <a:p>
             <a:fld id="{914F42F4-468D-854C-BB21-198E353C2471}" type="datetimeFigureOut">
               <a:rPr lang="en-US" smtClean="0"/>
-              <a:t>12/11/21</a:t>
+              <a:t>12/12/21</a:t>
             </a:fld>
             <a:endParaRPr lang="en-US"/>
           </a:p>
@@ -2375,7 +2380,7 @@
           <a:p>
             <a:fld id="{914F42F4-468D-854C-BB21-198E353C2471}" type="datetimeFigureOut">
               <a:rPr lang="en-US" smtClean="0"/>
-              <a:t>12/11/21</a:t>
+              <a:t>12/12/21</a:t>
             </a:fld>
             <a:endParaRPr lang="en-US"/>
           </a:p>
@@ -2663,7 +2668,7 @@
           <a:p>
             <a:fld id="{914F42F4-468D-854C-BB21-198E353C2471}" type="datetimeFigureOut">
               <a:rPr lang="en-US" smtClean="0"/>
-              <a:t>12/11/21</a:t>
+              <a:t>12/12/21</a:t>
             </a:fld>
             <a:endParaRPr lang="en-US"/>
           </a:p>
@@ -2904,7 +2909,7 @@
           <a:p>
             <a:fld id="{914F42F4-468D-854C-BB21-198E353C2471}" type="datetimeFigureOut">
               <a:rPr lang="en-US" smtClean="0"/>
-              <a:t>12/11/21</a:t>
+              <a:t>12/12/21</a:t>
             </a:fld>
             <a:endParaRPr lang="en-US"/>
           </a:p>
@@ -4875,7 +4880,7 @@
         <p:spPr>
           <a:xfrm>
             <a:off x="1897531" y="3530996"/>
-            <a:ext cx="559705" cy="276999"/>
+            <a:ext cx="874535" cy="276999"/>
           </a:xfrm>
           <a:prstGeom prst="rect">
             <a:avLst/>
@@ -4888,6 +4893,22 @@
           </a:bodyPr>
           <a:lstStyle/>
           <a:p>
+            <a:r>
+              <a:rPr lang="en-US" sz="1200" dirty="0">
+                <a:solidFill>
+                  <a:schemeClr val="accent1"/>
+                </a:solidFill>
+              </a:rPr>
+              <a:t>Earn</a:t>
+            </a:r>
+            <a:r>
+              <a:rPr lang="zh-CN" altLang="en-US" sz="1200" dirty="0">
+                <a:solidFill>
+                  <a:schemeClr val="accent1"/>
+                </a:solidFill>
+              </a:rPr>
+              <a:t> </a:t>
+            </a:r>
             <a:r>
               <a:rPr lang="en-US" sz="1200" dirty="0">
                 <a:solidFill>

--- a/Roles.pptx
+++ b/Roles.pptx
@@ -104,6 +104,11 @@
       </a:defRPr>
     </a:lvl9pPr>
   </p:defaultTextStyle>
+  <p:extLst>
+    <p:ext uri="{EFAFB233-063F-42B5-8137-9DF3F51BA10A}">
+      <p15:sldGuideLst xmlns:p15="http://schemas.microsoft.com/office/powerpoint/2012/main"/>
+    </p:ext>
+  </p:extLst>
 </p:presentation>
 </file>
 
@@ -254,7 +259,7 @@
           <a:p>
             <a:fld id="{914F42F4-468D-854C-BB21-198E353C2471}" type="datetimeFigureOut">
               <a:rPr lang="en-US" smtClean="0"/>
-              <a:t>12/11/21</a:t>
+              <a:t>12/12/21</a:t>
             </a:fld>
             <a:endParaRPr lang="en-US"/>
           </a:p>
@@ -452,7 +457,7 @@
           <a:p>
             <a:fld id="{914F42F4-468D-854C-BB21-198E353C2471}" type="datetimeFigureOut">
               <a:rPr lang="en-US" smtClean="0"/>
-              <a:t>12/11/21</a:t>
+              <a:t>12/12/21</a:t>
             </a:fld>
             <a:endParaRPr lang="en-US"/>
           </a:p>
@@ -660,7 +665,7 @@
           <a:p>
             <a:fld id="{914F42F4-468D-854C-BB21-198E353C2471}" type="datetimeFigureOut">
               <a:rPr lang="en-US" smtClean="0"/>
-              <a:t>12/11/21</a:t>
+              <a:t>12/12/21</a:t>
             </a:fld>
             <a:endParaRPr lang="en-US"/>
           </a:p>
@@ -858,7 +863,7 @@
           <a:p>
             <a:fld id="{914F42F4-468D-854C-BB21-198E353C2471}" type="datetimeFigureOut">
               <a:rPr lang="en-US" smtClean="0"/>
-              <a:t>12/11/21</a:t>
+              <a:t>12/12/21</a:t>
             </a:fld>
             <a:endParaRPr lang="en-US"/>
           </a:p>
@@ -1133,7 +1138,7 @@
           <a:p>
             <a:fld id="{914F42F4-468D-854C-BB21-198E353C2471}" type="datetimeFigureOut">
               <a:rPr lang="en-US" smtClean="0"/>
-              <a:t>12/11/21</a:t>
+              <a:t>12/12/21</a:t>
             </a:fld>
             <a:endParaRPr lang="en-US"/>
           </a:p>
@@ -1398,7 +1403,7 @@
           <a:p>
             <a:fld id="{914F42F4-468D-854C-BB21-198E353C2471}" type="datetimeFigureOut">
               <a:rPr lang="en-US" smtClean="0"/>
-              <a:t>12/11/21</a:t>
+              <a:t>12/12/21</a:t>
             </a:fld>
             <a:endParaRPr lang="en-US"/>
           </a:p>
@@ -1810,7 +1815,7 @@
           <a:p>
             <a:fld id="{914F42F4-468D-854C-BB21-198E353C2471}" type="datetimeFigureOut">
               <a:rPr lang="en-US" smtClean="0"/>
-              <a:t>12/11/21</a:t>
+              <a:t>12/12/21</a:t>
             </a:fld>
             <a:endParaRPr lang="en-US"/>
           </a:p>
@@ -1951,7 +1956,7 @@
           <a:p>
             <a:fld id="{914F42F4-468D-854C-BB21-198E353C2471}" type="datetimeFigureOut">
               <a:rPr lang="en-US" smtClean="0"/>
-              <a:t>12/11/21</a:t>
+              <a:t>12/12/21</a:t>
             </a:fld>
             <a:endParaRPr lang="en-US"/>
           </a:p>
@@ -2064,7 +2069,7 @@
           <a:p>
             <a:fld id="{914F42F4-468D-854C-BB21-198E353C2471}" type="datetimeFigureOut">
               <a:rPr lang="en-US" smtClean="0"/>
-              <a:t>12/11/21</a:t>
+              <a:t>12/12/21</a:t>
             </a:fld>
             <a:endParaRPr lang="en-US"/>
           </a:p>
@@ -2375,7 +2380,7 @@
           <a:p>
             <a:fld id="{914F42F4-468D-854C-BB21-198E353C2471}" type="datetimeFigureOut">
               <a:rPr lang="en-US" smtClean="0"/>
-              <a:t>12/11/21</a:t>
+              <a:t>12/12/21</a:t>
             </a:fld>
             <a:endParaRPr lang="en-US"/>
           </a:p>
@@ -2663,7 +2668,7 @@
           <a:p>
             <a:fld id="{914F42F4-468D-854C-BB21-198E353C2471}" type="datetimeFigureOut">
               <a:rPr lang="en-US" smtClean="0"/>
-              <a:t>12/11/21</a:t>
+              <a:t>12/12/21</a:t>
             </a:fld>
             <a:endParaRPr lang="en-US"/>
           </a:p>
@@ -2904,7 +2909,7 @@
           <a:p>
             <a:fld id="{914F42F4-468D-854C-BB21-198E353C2471}" type="datetimeFigureOut">
               <a:rPr lang="en-US" smtClean="0"/>
-              <a:t>12/11/21</a:t>
+              <a:t>12/12/21</a:t>
             </a:fld>
             <a:endParaRPr lang="en-US"/>
           </a:p>
@@ -4875,7 +4880,7 @@
         <p:spPr>
           <a:xfrm>
             <a:off x="1897531" y="3530996"/>
-            <a:ext cx="559705" cy="276999"/>
+            <a:ext cx="824906" cy="276999"/>
           </a:xfrm>
           <a:prstGeom prst="rect">
             <a:avLst/>
@@ -4894,7 +4899,23 @@
                   <a:schemeClr val="accent1"/>
                 </a:solidFill>
               </a:rPr>
-              <a:t>$DEAI</a:t>
+              <a:t>Earn</a:t>
+            </a:r>
+            <a:r>
+              <a:rPr lang="zh-CN" altLang="en-US" sz="1200" dirty="0">
+                <a:solidFill>
+                  <a:schemeClr val="accent1"/>
+                </a:solidFill>
+              </a:rPr>
+              <a:t> </a:t>
+            </a:r>
+            <a:r>
+              <a:rPr lang="en-US" sz="1200" dirty="0">
+                <a:solidFill>
+                  <a:schemeClr val="accent1"/>
+                </a:solidFill>
+              </a:rPr>
+              <a:t>$ETH</a:t>
             </a:r>
           </a:p>
         </p:txBody>

--- a/Roles.pptx
+++ b/Roles.pptx
@@ -259,7 +259,7 @@
           <a:p>
             <a:fld id="{914F42F4-468D-854C-BB21-198E353C2471}" type="datetimeFigureOut">
               <a:rPr lang="en-US" smtClean="0"/>
-              <a:t>12/12/21</a:t>
+              <a:t>12/15/2021</a:t>
             </a:fld>
             <a:endParaRPr lang="en-US"/>
           </a:p>
@@ -457,7 +457,7 @@
           <a:p>
             <a:fld id="{914F42F4-468D-854C-BB21-198E353C2471}" type="datetimeFigureOut">
               <a:rPr lang="en-US" smtClean="0"/>
-              <a:t>12/12/21</a:t>
+              <a:t>12/15/2021</a:t>
             </a:fld>
             <a:endParaRPr lang="en-US"/>
           </a:p>
@@ -665,7 +665,7 @@
           <a:p>
             <a:fld id="{914F42F4-468D-854C-BB21-198E353C2471}" type="datetimeFigureOut">
               <a:rPr lang="en-US" smtClean="0"/>
-              <a:t>12/12/21</a:t>
+              <a:t>12/15/2021</a:t>
             </a:fld>
             <a:endParaRPr lang="en-US"/>
           </a:p>
@@ -863,7 +863,7 @@
           <a:p>
             <a:fld id="{914F42F4-468D-854C-BB21-198E353C2471}" type="datetimeFigureOut">
               <a:rPr lang="en-US" smtClean="0"/>
-              <a:t>12/12/21</a:t>
+              <a:t>12/15/2021</a:t>
             </a:fld>
             <a:endParaRPr lang="en-US"/>
           </a:p>
@@ -1138,7 +1138,7 @@
           <a:p>
             <a:fld id="{914F42F4-468D-854C-BB21-198E353C2471}" type="datetimeFigureOut">
               <a:rPr lang="en-US" smtClean="0"/>
-              <a:t>12/12/21</a:t>
+              <a:t>12/15/2021</a:t>
             </a:fld>
             <a:endParaRPr lang="en-US"/>
           </a:p>
@@ -1403,7 +1403,7 @@
           <a:p>
             <a:fld id="{914F42F4-468D-854C-BB21-198E353C2471}" type="datetimeFigureOut">
               <a:rPr lang="en-US" smtClean="0"/>
-              <a:t>12/12/21</a:t>
+              <a:t>12/15/2021</a:t>
             </a:fld>
             <a:endParaRPr lang="en-US"/>
           </a:p>
@@ -1815,7 +1815,7 @@
           <a:p>
             <a:fld id="{914F42F4-468D-854C-BB21-198E353C2471}" type="datetimeFigureOut">
               <a:rPr lang="en-US" smtClean="0"/>
-              <a:t>12/12/21</a:t>
+              <a:t>12/15/2021</a:t>
             </a:fld>
             <a:endParaRPr lang="en-US"/>
           </a:p>
@@ -1956,7 +1956,7 @@
           <a:p>
             <a:fld id="{914F42F4-468D-854C-BB21-198E353C2471}" type="datetimeFigureOut">
               <a:rPr lang="en-US" smtClean="0"/>
-              <a:t>12/12/21</a:t>
+              <a:t>12/15/2021</a:t>
             </a:fld>
             <a:endParaRPr lang="en-US"/>
           </a:p>
@@ -2069,7 +2069,7 @@
           <a:p>
             <a:fld id="{914F42F4-468D-854C-BB21-198E353C2471}" type="datetimeFigureOut">
               <a:rPr lang="en-US" smtClean="0"/>
-              <a:t>12/12/21</a:t>
+              <a:t>12/15/2021</a:t>
             </a:fld>
             <a:endParaRPr lang="en-US"/>
           </a:p>
@@ -2380,7 +2380,7 @@
           <a:p>
             <a:fld id="{914F42F4-468D-854C-BB21-198E353C2471}" type="datetimeFigureOut">
               <a:rPr lang="en-US" smtClean="0"/>
-              <a:t>12/12/21</a:t>
+              <a:t>12/15/2021</a:t>
             </a:fld>
             <a:endParaRPr lang="en-US"/>
           </a:p>
@@ -2668,7 +2668,7 @@
           <a:p>
             <a:fld id="{914F42F4-468D-854C-BB21-198E353C2471}" type="datetimeFigureOut">
               <a:rPr lang="en-US" smtClean="0"/>
-              <a:t>12/12/21</a:t>
+              <a:t>12/15/2021</a:t>
             </a:fld>
             <a:endParaRPr lang="en-US"/>
           </a:p>
@@ -2909,7 +2909,7 @@
           <a:p>
             <a:fld id="{914F42F4-468D-854C-BB21-198E353C2471}" type="datetimeFigureOut">
               <a:rPr lang="en-US" smtClean="0"/>
-              <a:t>12/12/21</a:t>
+              <a:t>12/15/2021</a:t>
             </a:fld>
             <a:endParaRPr lang="en-US"/>
           </a:p>
@@ -5056,8 +5056,8 @@
         </p:nvCxnSpPr>
         <p:spPr>
           <a:xfrm flipH="1" flipV="1">
-            <a:off x="6869692" y="4245805"/>
-            <a:ext cx="1318406" cy="501637"/>
+            <a:off x="6869692" y="4245806"/>
+            <a:ext cx="1318406" cy="501636"/>
           </a:xfrm>
           <a:prstGeom prst="straightConnector1">
             <a:avLst/>
@@ -5198,6 +5198,211 @@
               </a:rPr>
               <a:t>Earn $ETH</a:t>
             </a:r>
+          </a:p>
+        </p:txBody>
+      </p:sp>
+      <p:cxnSp>
+        <p:nvCxnSpPr>
+          <p:cNvPr id="39" name="Straight Arrow Connector 108">
+            <a:extLst>
+              <a:ext uri="{FF2B5EF4-FFF2-40B4-BE49-F238E27FC236}">
+                <a16:creationId xmlns:a16="http://schemas.microsoft.com/office/drawing/2014/main" id="{1C0855D9-812E-4203-90F3-14567AE12752}"/>
+              </a:ext>
+            </a:extLst>
+          </p:cNvPr>
+          <p:cNvCxnSpPr>
+            <a:cxnSpLocks/>
+          </p:cNvCxnSpPr>
+          <p:nvPr/>
+        </p:nvCxnSpPr>
+        <p:spPr>
+          <a:xfrm flipV="1">
+            <a:off x="1668779" y="3197512"/>
+            <a:ext cx="0" cy="960017"/>
+          </a:xfrm>
+          <a:prstGeom prst="straightConnector1">
+            <a:avLst/>
+          </a:prstGeom>
+          <a:ln>
+            <a:tailEnd type="triangle"/>
+          </a:ln>
+        </p:spPr>
+        <p:style>
+          <a:lnRef idx="1">
+            <a:schemeClr val="accent1"/>
+          </a:lnRef>
+          <a:fillRef idx="0">
+            <a:schemeClr val="accent1"/>
+          </a:fillRef>
+          <a:effectRef idx="0">
+            <a:schemeClr val="accent1"/>
+          </a:effectRef>
+          <a:fontRef idx="minor">
+            <a:schemeClr val="tx1"/>
+          </a:fontRef>
+        </p:style>
+      </p:cxnSp>
+      <p:sp>
+        <p:nvSpPr>
+          <p:cNvPr id="43" name="TextBox 109">
+            <a:extLst>
+              <a:ext uri="{FF2B5EF4-FFF2-40B4-BE49-F238E27FC236}">
+                <a16:creationId xmlns:a16="http://schemas.microsoft.com/office/drawing/2014/main" id="{24738272-2AE6-40D2-AF50-0CA6E2BBCE48}"/>
+              </a:ext>
+            </a:extLst>
+          </p:cNvPr>
+          <p:cNvSpPr txBox="1"/>
+          <p:nvPr/>
+        </p:nvSpPr>
+        <p:spPr>
+          <a:xfrm>
+            <a:off x="785452" y="3533934"/>
+            <a:ext cx="967159" cy="276999"/>
+          </a:xfrm>
+          <a:prstGeom prst="rect">
+            <a:avLst/>
+          </a:prstGeom>
+          <a:noFill/>
+        </p:spPr>
+        <p:txBody>
+          <a:bodyPr wrap="square" rtlCol="0">
+            <a:spAutoFit/>
+          </a:bodyPr>
+          <a:lstStyle/>
+          <a:p>
+            <a:r>
+              <a:rPr lang="en-US" altLang="zh-CN" sz="1200" dirty="0">
+                <a:solidFill>
+                  <a:schemeClr val="accent1"/>
+                </a:solidFill>
+              </a:rPr>
+              <a:t>Stake</a:t>
+            </a:r>
+            <a:r>
+              <a:rPr lang="zh-CN" altLang="en-US" sz="1200" dirty="0">
+                <a:solidFill>
+                  <a:schemeClr val="accent1"/>
+                </a:solidFill>
+              </a:rPr>
+              <a:t> </a:t>
+            </a:r>
+            <a:r>
+              <a:rPr lang="en-US" sz="1200" dirty="0">
+                <a:solidFill>
+                  <a:schemeClr val="accent1"/>
+                </a:solidFill>
+              </a:rPr>
+              <a:t>$</a:t>
+            </a:r>
+            <a:r>
+              <a:rPr lang="en-US" altLang="zh-CN" sz="1200" dirty="0">
+                <a:solidFill>
+                  <a:schemeClr val="accent1"/>
+                </a:solidFill>
+              </a:rPr>
+              <a:t>DEAI</a:t>
+            </a:r>
+            <a:endParaRPr lang="en-US" sz="1200" dirty="0">
+              <a:solidFill>
+                <a:schemeClr val="accent1"/>
+              </a:solidFill>
+            </a:endParaRPr>
+          </a:p>
+        </p:txBody>
+      </p:sp>
+      <p:sp>
+        <p:nvSpPr>
+          <p:cNvPr id="50" name="TextBox 119">
+            <a:extLst>
+              <a:ext uri="{FF2B5EF4-FFF2-40B4-BE49-F238E27FC236}">
+                <a16:creationId xmlns:a16="http://schemas.microsoft.com/office/drawing/2014/main" id="{B00588C3-146F-44B0-A4DF-6DDB361A622F}"/>
+              </a:ext>
+            </a:extLst>
+          </p:cNvPr>
+          <p:cNvSpPr txBox="1"/>
+          <p:nvPr/>
+        </p:nvSpPr>
+        <p:spPr>
+          <a:xfrm rot="1215801">
+            <a:off x="7100915" y="4228909"/>
+            <a:ext cx="761940" cy="276999"/>
+          </a:xfrm>
+          <a:prstGeom prst="rect">
+            <a:avLst/>
+          </a:prstGeom>
+          <a:noFill/>
+        </p:spPr>
+        <p:txBody>
+          <a:bodyPr wrap="none" rtlCol="0">
+            <a:spAutoFit/>
+          </a:bodyPr>
+          <a:lstStyle/>
+          <a:p>
+            <a:r>
+              <a:rPr lang="en-US" altLang="zh-CN" sz="1200" dirty="0">
+                <a:solidFill>
+                  <a:schemeClr val="accent1"/>
+                </a:solidFill>
+              </a:rPr>
+              <a:t>Mint NFT</a:t>
+            </a:r>
+            <a:endParaRPr lang="en-US" sz="1200" dirty="0">
+              <a:solidFill>
+                <a:schemeClr val="accent1"/>
+              </a:solidFill>
+            </a:endParaRPr>
+          </a:p>
+        </p:txBody>
+      </p:sp>
+      <p:sp>
+        <p:nvSpPr>
+          <p:cNvPr id="51" name="TextBox 124">
+            <a:extLst>
+              <a:ext uri="{FF2B5EF4-FFF2-40B4-BE49-F238E27FC236}">
+                <a16:creationId xmlns:a16="http://schemas.microsoft.com/office/drawing/2014/main" id="{A25B420C-D266-42CE-B879-61F2675F8D69}"/>
+              </a:ext>
+            </a:extLst>
+          </p:cNvPr>
+          <p:cNvSpPr txBox="1"/>
+          <p:nvPr/>
+        </p:nvSpPr>
+        <p:spPr>
+          <a:xfrm rot="1703419">
+            <a:off x="3511082" y="2815934"/>
+            <a:ext cx="1087862" cy="276999"/>
+          </a:xfrm>
+          <a:prstGeom prst="rect">
+            <a:avLst/>
+          </a:prstGeom>
+          <a:noFill/>
+        </p:spPr>
+        <p:txBody>
+          <a:bodyPr wrap="none" rtlCol="0">
+            <a:spAutoFit/>
+          </a:bodyPr>
+          <a:lstStyle/>
+          <a:p>
+            <a:r>
+              <a:rPr lang="en-US" sz="1200" dirty="0">
+                <a:solidFill>
+                  <a:schemeClr val="accent1"/>
+                </a:solidFill>
+              </a:rPr>
+              <a:t>Execute </a:t>
+            </a:r>
+            <a:r>
+              <a:rPr lang="en-US" sz="1200" dirty="0" err="1">
+                <a:solidFill>
+                  <a:schemeClr val="accent1"/>
+                </a:solidFill>
+              </a:rPr>
+              <a:t>DeAPI</a:t>
+            </a:r>
+            <a:endParaRPr lang="en-US" sz="1200" dirty="0">
+              <a:solidFill>
+                <a:schemeClr val="accent1"/>
+              </a:solidFill>
+            </a:endParaRPr>
           </a:p>
         </p:txBody>
       </p:sp>
